--- a/resources/Presentation-Slides/Chapter-0-Preface/02.SoftUni-and-SoftUni-Judge.pptx
+++ b/resources/Presentation-Slides/Chapter-0-Preface/02.SoftUni-and-SoftUni-Judge.pptx
@@ -229,7 +229,7 @@
             <a:fld id="{FE5B4EDC-59C0-49C7-8ADA-5A781B329E02}" type="datetimeFigureOut">
               <a:rPr lang="en-US"/>
               <a:pPr/>
-              <a:t>10-Feb-19</a:t>
+              <a:t>11-Feb-19</a:t>
             </a:fld>
             <a:endParaRPr dirty="0"/>
           </a:p>
@@ -428,7 +428,7 @@
             <a:fld id="{F2D8D46A-B586-417D-BFBD-8C8FE0AAF762}" type="datetimeFigureOut">
               <a:rPr lang="en-US" smtClean="0"/>
               <a:pPr/>
-              <a:t>10-Feb-19</a:t>
+              <a:t>11-Feb-19</a:t>
             </a:fld>
             <a:endParaRPr lang="en-US"/>
           </a:p>
@@ -1440,7 +1440,7 @@
             <a:fld id="{055373AC-9AA7-423B-BA00-BA1C74164DBD}" type="datetime1">
               <a:rPr lang="en-US" smtClean="0"/>
               <a:pPr/>
-              <a:t>10-Feb-19</a:t>
+              <a:t>11-Feb-19</a:t>
             </a:fld>
             <a:endParaRPr lang="en-US" dirty="0"/>
           </a:p>
@@ -1971,7 +1971,7 @@
             <a:fld id="{055373AC-9AA7-423B-BA00-BA1C74164DBD}" type="datetime1">
               <a:rPr lang="en-US" smtClean="0"/>
               <a:pPr/>
-              <a:t>10-Feb-19</a:t>
+              <a:t>11-Feb-19</a:t>
             </a:fld>
             <a:endParaRPr lang="en-US" dirty="0"/>
           </a:p>
@@ -3354,8 +3354,10 @@
             <a:off x="5109895" y="3962400"/>
             <a:ext cx="2188115" cy="2185169"/>
           </a:xfrm>
-          <a:prstGeom prst="rect">
-            <a:avLst/>
+          <a:prstGeom prst="roundRect">
+            <a:avLst>
+              <a:gd name="adj" fmla="val 1295"/>
+            </a:avLst>
           </a:prstGeom>
         </p:spPr>
       </p:pic>
@@ -3659,11 +3661,13 @@
         </p:blipFill>
         <p:spPr>
           <a:xfrm>
-            <a:off x="8990012" y="2320714"/>
-            <a:ext cx="2406927" cy="2403686"/>
+            <a:off x="8837612" y="2308945"/>
+            <a:ext cx="2647620" cy="2644055"/>
           </a:xfrm>
-          <a:prstGeom prst="rect">
-            <a:avLst/>
+          <a:prstGeom prst="roundRect">
+            <a:avLst>
+              <a:gd name="adj" fmla="val 1140"/>
+            </a:avLst>
           </a:prstGeom>
         </p:spPr>
       </p:pic>
